--- a/asset/Background.pptx
+++ b/asset/Background.pptx
@@ -243,7 +243,7 @@
           <a:p>
             <a:fld id="{5BB52D01-082E-4719-B2BC-9BF929C9777B}" type="datetimeFigureOut">
               <a:rPr lang="zh-CN" altLang="en-US" smtClean="0"/>
-              <a:t>2022/4/11</a:t>
+              <a:t>2022/10/26</a:t>
             </a:fld>
             <a:endParaRPr lang="zh-CN" altLang="en-US"/>
           </a:p>
@@ -413,7 +413,7 @@
           <a:p>
             <a:fld id="{5BB52D01-082E-4719-B2BC-9BF929C9777B}" type="datetimeFigureOut">
               <a:rPr lang="zh-CN" altLang="en-US" smtClean="0"/>
-              <a:t>2022/4/11</a:t>
+              <a:t>2022/10/26</a:t>
             </a:fld>
             <a:endParaRPr lang="zh-CN" altLang="en-US"/>
           </a:p>
@@ -593,7 +593,7 @@
           <a:p>
             <a:fld id="{5BB52D01-082E-4719-B2BC-9BF929C9777B}" type="datetimeFigureOut">
               <a:rPr lang="zh-CN" altLang="en-US" smtClean="0"/>
-              <a:t>2022/4/11</a:t>
+              <a:t>2022/10/26</a:t>
             </a:fld>
             <a:endParaRPr lang="zh-CN" altLang="en-US"/>
           </a:p>
@@ -763,7 +763,7 @@
           <a:p>
             <a:fld id="{5BB52D01-082E-4719-B2BC-9BF929C9777B}" type="datetimeFigureOut">
               <a:rPr lang="zh-CN" altLang="en-US" smtClean="0"/>
-              <a:t>2022/4/11</a:t>
+              <a:t>2022/10/26</a:t>
             </a:fld>
             <a:endParaRPr lang="zh-CN" altLang="en-US"/>
           </a:p>
@@ -1009,7 +1009,7 @@
           <a:p>
             <a:fld id="{5BB52D01-082E-4719-B2BC-9BF929C9777B}" type="datetimeFigureOut">
               <a:rPr lang="zh-CN" altLang="en-US" smtClean="0"/>
-              <a:t>2022/4/11</a:t>
+              <a:t>2022/10/26</a:t>
             </a:fld>
             <a:endParaRPr lang="zh-CN" altLang="en-US"/>
           </a:p>
@@ -1241,7 +1241,7 @@
           <a:p>
             <a:fld id="{5BB52D01-082E-4719-B2BC-9BF929C9777B}" type="datetimeFigureOut">
               <a:rPr lang="zh-CN" altLang="en-US" smtClean="0"/>
-              <a:t>2022/4/11</a:t>
+              <a:t>2022/10/26</a:t>
             </a:fld>
             <a:endParaRPr lang="zh-CN" altLang="en-US"/>
           </a:p>
@@ -1608,7 +1608,7 @@
           <a:p>
             <a:fld id="{5BB52D01-082E-4719-B2BC-9BF929C9777B}" type="datetimeFigureOut">
               <a:rPr lang="zh-CN" altLang="en-US" smtClean="0"/>
-              <a:t>2022/4/11</a:t>
+              <a:t>2022/10/26</a:t>
             </a:fld>
             <a:endParaRPr lang="zh-CN" altLang="en-US"/>
           </a:p>
@@ -1726,7 +1726,7 @@
           <a:p>
             <a:fld id="{5BB52D01-082E-4719-B2BC-9BF929C9777B}" type="datetimeFigureOut">
               <a:rPr lang="zh-CN" altLang="en-US" smtClean="0"/>
-              <a:t>2022/4/11</a:t>
+              <a:t>2022/10/26</a:t>
             </a:fld>
             <a:endParaRPr lang="zh-CN" altLang="en-US"/>
           </a:p>
@@ -1821,7 +1821,7 @@
           <a:p>
             <a:fld id="{5BB52D01-082E-4719-B2BC-9BF929C9777B}" type="datetimeFigureOut">
               <a:rPr lang="zh-CN" altLang="en-US" smtClean="0"/>
-              <a:t>2022/4/11</a:t>
+              <a:t>2022/10/26</a:t>
             </a:fld>
             <a:endParaRPr lang="zh-CN" altLang="en-US"/>
           </a:p>
@@ -2098,7 +2098,7 @@
           <a:p>
             <a:fld id="{5BB52D01-082E-4719-B2BC-9BF929C9777B}" type="datetimeFigureOut">
               <a:rPr lang="zh-CN" altLang="en-US" smtClean="0"/>
-              <a:t>2022/4/11</a:t>
+              <a:t>2022/10/26</a:t>
             </a:fld>
             <a:endParaRPr lang="zh-CN" altLang="en-US"/>
           </a:p>
@@ -2351,7 +2351,7 @@
           <a:p>
             <a:fld id="{5BB52D01-082E-4719-B2BC-9BF929C9777B}" type="datetimeFigureOut">
               <a:rPr lang="zh-CN" altLang="en-US" smtClean="0"/>
-              <a:t>2022/4/11</a:t>
+              <a:t>2022/10/26</a:t>
             </a:fld>
             <a:endParaRPr lang="zh-CN" altLang="en-US"/>
           </a:p>
@@ -2564,7 +2564,7 @@
           <a:p>
             <a:fld id="{5BB52D01-082E-4719-B2BC-9BF929C9777B}" type="datetimeFigureOut">
               <a:rPr lang="zh-CN" altLang="en-US" smtClean="0"/>
-              <a:t>2022/4/11</a:t>
+              <a:t>2022/10/26</a:t>
             </a:fld>
             <a:endParaRPr lang="zh-CN" altLang="en-US"/>
           </a:p>
@@ -2971,7 +2971,7 @@
       </p:grpSpPr>
       <p:pic>
         <p:nvPicPr>
-          <p:cNvPr id="4" name="图片 3"/>
+          <p:cNvPr id="2" name="图片 1"/>
           <p:cNvPicPr>
             <a:picLocks noChangeAspect="1"/>
           </p:cNvPicPr>
@@ -2991,19 +2991,12 @@
         </p:blipFill>
         <p:spPr>
           <a:xfrm>
-            <a:off x="3876224" y="1496990"/>
-            <a:ext cx="4439552" cy="3890211"/>
+            <a:off x="3876224" y="1496991"/>
+            <a:ext cx="4439552" cy="3890210"/>
           </a:xfrm>
           <a:prstGeom prst="rect">
             <a:avLst/>
           </a:prstGeom>
-          <a:effectLst>
-            <a:outerShdw blurRad="50800" dist="50800" dir="5400000" algn="ctr" rotWithShape="0">
-              <a:srgbClr val="000000">
-                <a:alpha val="21000"/>
-              </a:srgbClr>
-            </a:outerShdw>
-          </a:effectLst>
         </p:spPr>
       </p:pic>
       <p:sp>
@@ -3014,7 +3007,7 @@
         </p:nvSpPr>
         <p:spPr>
           <a:xfrm>
-            <a:off x="0" y="13095"/>
+            <a:off x="0" y="0"/>
             <a:ext cx="12192000" cy="6858000"/>
           </a:xfrm>
           <a:prstGeom prst="rect">
@@ -3023,7 +3016,7 @@
           <a:solidFill>
             <a:schemeClr val="bg1">
               <a:lumMod val="95000"/>
-              <a:alpha val="85000"/>
+              <a:alpha val="93000"/>
             </a:schemeClr>
           </a:solidFill>
           <a:ln>
